--- a/documentacion/fichas_curriculares/yucatanf/FICHA CURRICULAR OR YUCATÁN.pptx
+++ b/documentacion/fichas_curriculares/yucatanf/FICHA CURRICULAR OR YUCATÁN.pptx
@@ -164,7 +164,7 @@
 <file path=ppt/revisionInfo.xml><?xml version="1.0" encoding="utf-8"?>
 <p1510:revInfo xmlns:a="http://schemas.openxmlformats.org/drawingml/2006/main" xmlns:r="http://schemas.openxmlformats.org/officeDocument/2006/relationships" xmlns:p1510="http://schemas.microsoft.com/office/powerpoint/2015/10/main">
   <p1510:revLst>
-    <p1510:client id="{9B5C7096-5CC6-4BC6-A0C7-0F6D1088DF53}" v="8" dt="2025-04-04T17:35:34.932"/>
+    <p1510:client id="{9B5C7096-5CC6-4BC6-A0C7-0F6D1088DF53}" v="9" dt="2025-04-09T23:13:32.666"/>
   </p1510:revLst>
 </p1510:revInfo>
 </file>
@@ -292,7 +292,7 @@
           <a:p>
             <a:fld id="{F95092CE-056A-8E4F-AA38-7AF6D4E38A72}" type="datetimeFigureOut">
               <a:rPr lang="es-MX" smtClean="0"/>
-              <a:t>04/04/2025</a:t>
+              <a:t>09/04/2025</a:t>
             </a:fld>
             <a:endParaRPr lang="es-MX" dirty="0"/>
           </a:p>
@@ -469,7 +469,7 @@
           <a:p>
             <a:fld id="{1A0E016B-CAC3-6B4C-90C0-D7AA6A747DA3}" type="datetimeFigureOut">
               <a:rPr lang="es-MX" smtClean="0"/>
-              <a:t>04/04/2025</a:t>
+              <a:t>09/04/2025</a:t>
             </a:fld>
             <a:endParaRPr lang="es-MX" dirty="0"/>
           </a:p>
@@ -813,7 +813,7 @@
           <a:p>
             <a:fld id="{60AD34A5-7122-4FDD-A205-26BF5AD0764F}" type="datetime1">
               <a:rPr lang="es-MX" smtClean="0"/>
-              <a:t>04/04/2025</a:t>
+              <a:t>09/04/2025</a:t>
             </a:fld>
             <a:endParaRPr lang="es-MX" dirty="0"/>
           </a:p>
@@ -1048,7 +1048,7 @@
           <a:p>
             <a:fld id="{D52C6386-2A49-4E71-9483-A022BD968E93}" type="datetime1">
               <a:rPr lang="es-MX" smtClean="0"/>
-              <a:t>04/04/2025</a:t>
+              <a:t>09/04/2025</a:t>
             </a:fld>
             <a:endParaRPr lang="es-MX" dirty="0"/>
           </a:p>
@@ -1228,7 +1228,7 @@
           <a:p>
             <a:fld id="{A36BB0E3-A34B-4055-BB24-35400B9A5AB2}" type="datetime1">
               <a:rPr lang="es-MX" smtClean="0"/>
-              <a:t>04/04/2025</a:t>
+              <a:t>09/04/2025</a:t>
             </a:fld>
             <a:endParaRPr lang="es-MX" dirty="0"/>
           </a:p>
@@ -1641,7 +1641,7 @@
           <a:p>
             <a:fld id="{EA8C93AC-693C-483E-A242-C2E89EAD95D8}" type="datetime1">
               <a:rPr lang="es-MX" smtClean="0"/>
-              <a:t>04/04/2025</a:t>
+              <a:t>09/04/2025</a:t>
             </a:fld>
             <a:endParaRPr lang="es-MX" dirty="0"/>
           </a:p>
@@ -1855,7 +1855,7 @@
           <a:p>
             <a:fld id="{60AD34A5-7122-4FDD-A205-26BF5AD0764F}" type="datetime1">
               <a:rPr lang="es-MX" smtClean="0"/>
-              <a:t>04/04/2025</a:t>
+              <a:t>09/04/2025</a:t>
             </a:fld>
             <a:endParaRPr lang="es-MX" dirty="0"/>
           </a:p>
@@ -2088,7 +2088,7 @@
           <a:p>
             <a:fld id="{FBA43AE6-8C2C-494F-A638-A73FDFE65F34}" type="datetime1">
               <a:rPr lang="es-MX" smtClean="0"/>
-              <a:t>04/04/2025</a:t>
+              <a:t>09/04/2025</a:t>
             </a:fld>
             <a:endParaRPr lang="es-MX" dirty="0"/>
           </a:p>
@@ -2467,7 +2467,7 @@
           <a:p>
             <a:fld id="{2989C84A-6259-46E7-BD7A-8DE6E91DE4B0}" type="datetime1">
               <a:rPr lang="es-MX" smtClean="0"/>
-              <a:t>04/04/2025</a:t>
+              <a:t>09/04/2025</a:t>
             </a:fld>
             <a:endParaRPr lang="es-MX" dirty="0"/>
           </a:p>
@@ -2609,7 +2609,7 @@
           <a:p>
             <a:fld id="{9DD9844E-9B62-4CA7-89EF-E142FF7EC456}" type="datetime1">
               <a:rPr lang="es-MX" smtClean="0"/>
-              <a:t>04/04/2025</a:t>
+              <a:t>09/04/2025</a:t>
             </a:fld>
             <a:endParaRPr lang="es-MX" dirty="0"/>
           </a:p>
@@ -3019,7 +3019,7 @@
           <a:p>
             <a:fld id="{2BABF6CD-679B-417F-A9EE-ED25E60EF2A1}" type="datetime1">
               <a:rPr lang="es-MX" smtClean="0"/>
-              <a:t>04/04/2025</a:t>
+              <a:t>09/04/2025</a:t>
             </a:fld>
             <a:endParaRPr lang="es-MX"/>
           </a:p>
@@ -3204,7 +3204,7 @@
           <a:p>
             <a:fld id="{60AD34A5-7122-4FDD-A205-26BF5AD0764F}" type="datetime1">
               <a:rPr lang="es-MX" smtClean="0"/>
-              <a:t>04/04/2025</a:t>
+              <a:t>09/04/2025</a:t>
             </a:fld>
             <a:endParaRPr lang="es-MX" dirty="0"/>
           </a:p>
